--- a/src/graphics-design/sticker/sticker-pallet-header/sticker-pallet-header.pptx
+++ b/src/graphics-design/sticker/sticker-pallet-header/sticker-pallet-header.pptx
@@ -5,11 +5,14 @@
     <p:sldMasterId id="2147483708" r:id="rId1"/>
   </p:sldMasterIdLst>
   <p:notesMasterIdLst>
-    <p:notesMasterId r:id="rId4"/>
+    <p:notesMasterId r:id="rId7"/>
   </p:notesMasterIdLst>
   <p:sldIdLst>
     <p:sldId id="270" r:id="rId2"/>
     <p:sldId id="271" r:id="rId3"/>
+    <p:sldId id="272" r:id="rId4"/>
+    <p:sldId id="273" r:id="rId5"/>
+    <p:sldId id="274" r:id="rId6"/>
   </p:sldIdLst>
   <p:sldSz cx="5562600" cy="1085850"/>
   <p:notesSz cx="6858000" cy="9144000"/>
@@ -201,7 +204,7 @@
           <a:p>
             <a:fld id="{DF41DC7A-DB47-468C-B6DF-5DFDE303388D}" type="datetimeFigureOut">
               <a:rPr lang="en-US" smtClean="0"/>
-              <a:t>6/10/2020</a:t>
+              <a:t>6/12/2020</a:t>
             </a:fld>
             <a:endParaRPr lang="en-US"/>
           </a:p>
@@ -646,6 +649,273 @@
 </p:notes>
 </file>
 
+<file path=ppt/notesSlides/notesSlide3.xml><?xml version="1.0" encoding="utf-8"?>
+<p:notes xmlns:a="http://schemas.openxmlformats.org/drawingml/2006/main" xmlns:r="http://schemas.openxmlformats.org/officeDocument/2006/relationships" xmlns:p="http://schemas.openxmlformats.org/presentationml/2006/main">
+  <p:cSld>
+    <p:spTree>
+      <p:nvGrpSpPr>
+        <p:cNvPr id="1" name=""/>
+        <p:cNvGrpSpPr/>
+        <p:nvPr/>
+      </p:nvGrpSpPr>
+      <p:grpSpPr>
+        <a:xfrm>
+          <a:off x="0" y="0"/>
+          <a:ext cx="0" cy="0"/>
+          <a:chOff x="0" y="0"/>
+          <a:chExt cx="0" cy="0"/>
+        </a:xfrm>
+      </p:grpSpPr>
+      <p:sp>
+        <p:nvSpPr>
+          <p:cNvPr id="2" name="Slide Image Placeholder 1"/>
+          <p:cNvSpPr>
+            <a:spLocks noGrp="1" noRot="1" noChangeAspect="1"/>
+          </p:cNvSpPr>
+          <p:nvPr>
+            <p:ph type="sldImg"/>
+          </p:nvPr>
+        </p:nvSpPr>
+        <p:spPr>
+          <a:xfrm>
+            <a:off x="-4475163" y="1143000"/>
+            <a:ext cx="15808326" cy="3086100"/>
+          </a:xfrm>
+        </p:spPr>
+      </p:sp>
+      <p:sp>
+        <p:nvSpPr>
+          <p:cNvPr id="3" name="Notes Placeholder 2"/>
+          <p:cNvSpPr>
+            <a:spLocks noGrp="1"/>
+          </p:cNvSpPr>
+          <p:nvPr>
+            <p:ph type="body" idx="1"/>
+          </p:nvPr>
+        </p:nvSpPr>
+        <p:spPr/>
+        <p:txBody>
+          <a:bodyPr/>
+          <a:lstStyle/>
+          <a:p>
+            <a:endParaRPr lang="en-US"/>
+          </a:p>
+        </p:txBody>
+      </p:sp>
+      <p:sp>
+        <p:nvSpPr>
+          <p:cNvPr id="4" name="Slide Number Placeholder 3"/>
+          <p:cNvSpPr>
+            <a:spLocks noGrp="1"/>
+          </p:cNvSpPr>
+          <p:nvPr>
+            <p:ph type="sldNum" sz="quarter" idx="5"/>
+          </p:nvPr>
+        </p:nvSpPr>
+        <p:spPr/>
+        <p:txBody>
+          <a:bodyPr/>
+          <a:lstStyle/>
+          <a:p>
+            <a:fld id="{F53865C4-80E3-4E77-A162-C079E6D99C32}" type="slidenum">
+              <a:rPr lang="en-US" smtClean="0"/>
+              <a:t>3</a:t>
+            </a:fld>
+            <a:endParaRPr lang="en-US"/>
+          </a:p>
+        </p:txBody>
+      </p:sp>
+    </p:spTree>
+    <p:extLst>
+      <p:ext uri="{BB962C8B-B14F-4D97-AF65-F5344CB8AC3E}">
+        <p14:creationId xmlns:p14="http://schemas.microsoft.com/office/powerpoint/2010/main" val="1968817"/>
+      </p:ext>
+    </p:extLst>
+  </p:cSld>
+  <p:clrMapOvr>
+    <a:masterClrMapping/>
+  </p:clrMapOvr>
+</p:notes>
+</file>
+
+<file path=ppt/notesSlides/notesSlide4.xml><?xml version="1.0" encoding="utf-8"?>
+<p:notes xmlns:a="http://schemas.openxmlformats.org/drawingml/2006/main" xmlns:r="http://schemas.openxmlformats.org/officeDocument/2006/relationships" xmlns:p="http://schemas.openxmlformats.org/presentationml/2006/main">
+  <p:cSld>
+    <p:spTree>
+      <p:nvGrpSpPr>
+        <p:cNvPr id="1" name=""/>
+        <p:cNvGrpSpPr/>
+        <p:nvPr/>
+      </p:nvGrpSpPr>
+      <p:grpSpPr>
+        <a:xfrm>
+          <a:off x="0" y="0"/>
+          <a:ext cx="0" cy="0"/>
+          <a:chOff x="0" y="0"/>
+          <a:chExt cx="0" cy="0"/>
+        </a:xfrm>
+      </p:grpSpPr>
+      <p:sp>
+        <p:nvSpPr>
+          <p:cNvPr id="2" name="Slide Image Placeholder 1"/>
+          <p:cNvSpPr>
+            <a:spLocks noGrp="1" noRot="1" noChangeAspect="1"/>
+          </p:cNvSpPr>
+          <p:nvPr>
+            <p:ph type="sldImg"/>
+          </p:nvPr>
+        </p:nvSpPr>
+        <p:spPr>
+          <a:xfrm>
+            <a:off x="-4475163" y="1143000"/>
+            <a:ext cx="15808326" cy="3086100"/>
+          </a:xfrm>
+        </p:spPr>
+      </p:sp>
+      <p:sp>
+        <p:nvSpPr>
+          <p:cNvPr id="3" name="Notes Placeholder 2"/>
+          <p:cNvSpPr>
+            <a:spLocks noGrp="1"/>
+          </p:cNvSpPr>
+          <p:nvPr>
+            <p:ph type="body" idx="1"/>
+          </p:nvPr>
+        </p:nvSpPr>
+        <p:spPr/>
+        <p:txBody>
+          <a:bodyPr/>
+          <a:lstStyle/>
+          <a:p>
+            <a:endParaRPr lang="en-US"/>
+          </a:p>
+        </p:txBody>
+      </p:sp>
+      <p:sp>
+        <p:nvSpPr>
+          <p:cNvPr id="4" name="Slide Number Placeholder 3"/>
+          <p:cNvSpPr>
+            <a:spLocks noGrp="1"/>
+          </p:cNvSpPr>
+          <p:nvPr>
+            <p:ph type="sldNum" sz="quarter" idx="5"/>
+          </p:nvPr>
+        </p:nvSpPr>
+        <p:spPr/>
+        <p:txBody>
+          <a:bodyPr/>
+          <a:lstStyle/>
+          <a:p>
+            <a:fld id="{F53865C4-80E3-4E77-A162-C079E6D99C32}" type="slidenum">
+              <a:rPr lang="en-US" smtClean="0"/>
+              <a:t>4</a:t>
+            </a:fld>
+            <a:endParaRPr lang="en-US"/>
+          </a:p>
+        </p:txBody>
+      </p:sp>
+    </p:spTree>
+    <p:extLst>
+      <p:ext uri="{BB962C8B-B14F-4D97-AF65-F5344CB8AC3E}">
+        <p14:creationId xmlns:p14="http://schemas.microsoft.com/office/powerpoint/2010/main" val="3628462302"/>
+      </p:ext>
+    </p:extLst>
+  </p:cSld>
+  <p:clrMapOvr>
+    <a:masterClrMapping/>
+  </p:clrMapOvr>
+</p:notes>
+</file>
+
+<file path=ppt/notesSlides/notesSlide5.xml><?xml version="1.0" encoding="utf-8"?>
+<p:notes xmlns:a="http://schemas.openxmlformats.org/drawingml/2006/main" xmlns:r="http://schemas.openxmlformats.org/officeDocument/2006/relationships" xmlns:p="http://schemas.openxmlformats.org/presentationml/2006/main">
+  <p:cSld>
+    <p:spTree>
+      <p:nvGrpSpPr>
+        <p:cNvPr id="1" name=""/>
+        <p:cNvGrpSpPr/>
+        <p:nvPr/>
+      </p:nvGrpSpPr>
+      <p:grpSpPr>
+        <a:xfrm>
+          <a:off x="0" y="0"/>
+          <a:ext cx="0" cy="0"/>
+          <a:chOff x="0" y="0"/>
+          <a:chExt cx="0" cy="0"/>
+        </a:xfrm>
+      </p:grpSpPr>
+      <p:sp>
+        <p:nvSpPr>
+          <p:cNvPr id="2" name="Slide Image Placeholder 1"/>
+          <p:cNvSpPr>
+            <a:spLocks noGrp="1" noRot="1" noChangeAspect="1"/>
+          </p:cNvSpPr>
+          <p:nvPr>
+            <p:ph type="sldImg"/>
+          </p:nvPr>
+        </p:nvSpPr>
+        <p:spPr>
+          <a:xfrm>
+            <a:off x="-4475163" y="1143000"/>
+            <a:ext cx="15808326" cy="3086100"/>
+          </a:xfrm>
+        </p:spPr>
+      </p:sp>
+      <p:sp>
+        <p:nvSpPr>
+          <p:cNvPr id="3" name="Notes Placeholder 2"/>
+          <p:cNvSpPr>
+            <a:spLocks noGrp="1"/>
+          </p:cNvSpPr>
+          <p:nvPr>
+            <p:ph type="body" idx="1"/>
+          </p:nvPr>
+        </p:nvSpPr>
+        <p:spPr/>
+        <p:txBody>
+          <a:bodyPr/>
+          <a:lstStyle/>
+          <a:p>
+            <a:endParaRPr lang="en-US"/>
+          </a:p>
+        </p:txBody>
+      </p:sp>
+      <p:sp>
+        <p:nvSpPr>
+          <p:cNvPr id="4" name="Slide Number Placeholder 3"/>
+          <p:cNvSpPr>
+            <a:spLocks noGrp="1"/>
+          </p:cNvSpPr>
+          <p:nvPr>
+            <p:ph type="sldNum" sz="quarter" idx="5"/>
+          </p:nvPr>
+        </p:nvSpPr>
+        <p:spPr/>
+        <p:txBody>
+          <a:bodyPr/>
+          <a:lstStyle/>
+          <a:p>
+            <a:fld id="{F53865C4-80E3-4E77-A162-C079E6D99C32}" type="slidenum">
+              <a:rPr lang="en-US" smtClean="0"/>
+              <a:t>5</a:t>
+            </a:fld>
+            <a:endParaRPr lang="en-US"/>
+          </a:p>
+        </p:txBody>
+      </p:sp>
+    </p:spTree>
+    <p:extLst>
+      <p:ext uri="{BB962C8B-B14F-4D97-AF65-F5344CB8AC3E}">
+        <p14:creationId xmlns:p14="http://schemas.microsoft.com/office/powerpoint/2010/main" val="1062881494"/>
+      </p:ext>
+    </p:extLst>
+  </p:cSld>
+  <p:clrMapOvr>
+    <a:masterClrMapping/>
+  </p:clrMapOvr>
+</p:notes>
+</file>
+
 <file path=ppt/slideLayouts/slideLayout1.xml><?xml version="1.0" encoding="utf-8"?>
 <p:sldLayout xmlns:a="http://schemas.openxmlformats.org/drawingml/2006/main" xmlns:r="http://schemas.openxmlformats.org/officeDocument/2006/relationships" xmlns:p="http://schemas.openxmlformats.org/presentationml/2006/main" type="title" preserve="1">
   <p:cSld name="Title Slide">
@@ -777,7 +1047,7 @@
           <a:p>
             <a:fld id="{08D631B0-FCC3-4B71-8DFD-8362CA9A755F}" type="datetimeFigureOut">
               <a:rPr lang="en-US" smtClean="0"/>
-              <a:t>6/10/2020</a:t>
+              <a:t>6/12/2020</a:t>
             </a:fld>
             <a:endParaRPr lang="en-US"/>
           </a:p>
@@ -947,7 +1217,7 @@
           <a:p>
             <a:fld id="{08D631B0-FCC3-4B71-8DFD-8362CA9A755F}" type="datetimeFigureOut">
               <a:rPr lang="en-US" smtClean="0"/>
-              <a:t>6/10/2020</a:t>
+              <a:t>6/12/2020</a:t>
             </a:fld>
             <a:endParaRPr lang="en-US"/>
           </a:p>
@@ -1127,7 +1397,7 @@
           <a:p>
             <a:fld id="{08D631B0-FCC3-4B71-8DFD-8362CA9A755F}" type="datetimeFigureOut">
               <a:rPr lang="en-US" smtClean="0"/>
-              <a:t>6/10/2020</a:t>
+              <a:t>6/12/2020</a:t>
             </a:fld>
             <a:endParaRPr lang="en-US"/>
           </a:p>
@@ -1297,7 +1567,7 @@
           <a:p>
             <a:fld id="{08D631B0-FCC3-4B71-8DFD-8362CA9A755F}" type="datetimeFigureOut">
               <a:rPr lang="en-US" smtClean="0"/>
-              <a:t>6/10/2020</a:t>
+              <a:t>6/12/2020</a:t>
             </a:fld>
             <a:endParaRPr lang="en-US"/>
           </a:p>
@@ -1543,7 +1813,7 @@
           <a:p>
             <a:fld id="{08D631B0-FCC3-4B71-8DFD-8362CA9A755F}" type="datetimeFigureOut">
               <a:rPr lang="en-US" smtClean="0"/>
-              <a:t>6/10/2020</a:t>
+              <a:t>6/12/2020</a:t>
             </a:fld>
             <a:endParaRPr lang="en-US"/>
           </a:p>
@@ -1775,7 +2045,7 @@
           <a:p>
             <a:fld id="{08D631B0-FCC3-4B71-8DFD-8362CA9A755F}" type="datetimeFigureOut">
               <a:rPr lang="en-US" smtClean="0"/>
-              <a:t>6/10/2020</a:t>
+              <a:t>6/12/2020</a:t>
             </a:fld>
             <a:endParaRPr lang="en-US"/>
           </a:p>
@@ -2142,7 +2412,7 @@
           <a:p>
             <a:fld id="{08D631B0-FCC3-4B71-8DFD-8362CA9A755F}" type="datetimeFigureOut">
               <a:rPr lang="en-US" smtClean="0"/>
-              <a:t>6/10/2020</a:t>
+              <a:t>6/12/2020</a:t>
             </a:fld>
             <a:endParaRPr lang="en-US"/>
           </a:p>
@@ -2260,7 +2530,7 @@
           <a:p>
             <a:fld id="{08D631B0-FCC3-4B71-8DFD-8362CA9A755F}" type="datetimeFigureOut">
               <a:rPr lang="en-US" smtClean="0"/>
-              <a:t>6/10/2020</a:t>
+              <a:t>6/12/2020</a:t>
             </a:fld>
             <a:endParaRPr lang="en-US"/>
           </a:p>
@@ -2355,7 +2625,7 @@
           <a:p>
             <a:fld id="{08D631B0-FCC3-4B71-8DFD-8362CA9A755F}" type="datetimeFigureOut">
               <a:rPr lang="en-US" smtClean="0"/>
-              <a:t>6/10/2020</a:t>
+              <a:t>6/12/2020</a:t>
             </a:fld>
             <a:endParaRPr lang="en-US"/>
           </a:p>
@@ -2632,7 +2902,7 @@
           <a:p>
             <a:fld id="{08D631B0-FCC3-4B71-8DFD-8362CA9A755F}" type="datetimeFigureOut">
               <a:rPr lang="en-US" smtClean="0"/>
-              <a:t>6/10/2020</a:t>
+              <a:t>6/12/2020</a:t>
             </a:fld>
             <a:endParaRPr lang="en-US"/>
           </a:p>
@@ -2889,7 +3159,7 @@
           <a:p>
             <a:fld id="{08D631B0-FCC3-4B71-8DFD-8362CA9A755F}" type="datetimeFigureOut">
               <a:rPr lang="en-US" smtClean="0"/>
-              <a:t>6/10/2020</a:t>
+              <a:t>6/12/2020</a:t>
             </a:fld>
             <a:endParaRPr lang="en-US"/>
           </a:p>
@@ -3102,7 +3372,7 @@
           <a:p>
             <a:fld id="{08D631B0-FCC3-4B71-8DFD-8362CA9A755F}" type="datetimeFigureOut">
               <a:rPr lang="en-US" smtClean="0"/>
-              <a:t>6/10/2020</a:t>
+              <a:t>6/12/2020</a:t>
             </a:fld>
             <a:endParaRPr lang="en-US"/>
           </a:p>
@@ -3617,6 +3887,210 @@
     <p:extLst>
       <p:ext uri="{BB962C8B-B14F-4D97-AF65-F5344CB8AC3E}">
         <p14:creationId xmlns:p14="http://schemas.microsoft.com/office/powerpoint/2010/main" val="1528187890"/>
+      </p:ext>
+    </p:extLst>
+  </p:cSld>
+  <p:clrMapOvr>
+    <a:masterClrMapping/>
+  </p:clrMapOvr>
+</p:sld>
+</file>
+
+<file path=ppt/slides/slide3.xml><?xml version="1.0" encoding="utf-8"?>
+<p:sld xmlns:a="http://schemas.openxmlformats.org/drawingml/2006/main" xmlns:r="http://schemas.openxmlformats.org/officeDocument/2006/relationships" xmlns:p="http://schemas.openxmlformats.org/presentationml/2006/main">
+  <p:cSld>
+    <p:spTree>
+      <p:nvGrpSpPr>
+        <p:cNvPr id="1" name=""/>
+        <p:cNvGrpSpPr/>
+        <p:nvPr/>
+      </p:nvGrpSpPr>
+      <p:grpSpPr>
+        <a:xfrm>
+          <a:off x="0" y="0"/>
+          <a:ext cx="0" cy="0"/>
+          <a:chOff x="0" y="0"/>
+          <a:chExt cx="0" cy="0"/>
+        </a:xfrm>
+      </p:grpSpPr>
+      <p:sp>
+        <p:nvSpPr>
+          <p:cNvPr id="21" name="TextBox 20">
+            <a:extLst>
+              <a:ext uri="{FF2B5EF4-FFF2-40B4-BE49-F238E27FC236}">
+                <a16:creationId xmlns:a16="http://schemas.microsoft.com/office/drawing/2014/main" id="{EDF601CE-96B7-4D58-86AC-3A4A6C632FEC}"/>
+              </a:ext>
+            </a:extLst>
+          </p:cNvPr>
+          <p:cNvSpPr txBox="1"/>
+          <p:nvPr/>
+        </p:nvSpPr>
+        <p:spPr>
+          <a:xfrm>
+            <a:off x="2006810" y="2"/>
+            <a:ext cx="1548980" cy="1200329"/>
+          </a:xfrm>
+          <a:prstGeom prst="rect">
+            <a:avLst/>
+          </a:prstGeom>
+          <a:noFill/>
+        </p:spPr>
+        <p:txBody>
+          <a:bodyPr wrap="square" rtlCol="0">
+            <a:spAutoFit/>
+          </a:bodyPr>
+          <a:lstStyle/>
+          <a:p>
+            <a:pPr algn="ctr"/>
+            <a:r>
+              <a:rPr lang="en-US" sz="7200" dirty="0">
+                <a:latin typeface="Bahnschrift" panose="020B0502040204020203" pitchFamily="34" charset="0"/>
+              </a:rPr>
+              <a:t>03</a:t>
+            </a:r>
+          </a:p>
+        </p:txBody>
+      </p:sp>
+    </p:spTree>
+    <p:extLst>
+      <p:ext uri="{BB962C8B-B14F-4D97-AF65-F5344CB8AC3E}">
+        <p14:creationId xmlns:p14="http://schemas.microsoft.com/office/powerpoint/2010/main" val="3596654022"/>
+      </p:ext>
+    </p:extLst>
+  </p:cSld>
+  <p:clrMapOvr>
+    <a:masterClrMapping/>
+  </p:clrMapOvr>
+</p:sld>
+</file>
+
+<file path=ppt/slides/slide4.xml><?xml version="1.0" encoding="utf-8"?>
+<p:sld xmlns:a="http://schemas.openxmlformats.org/drawingml/2006/main" xmlns:r="http://schemas.openxmlformats.org/officeDocument/2006/relationships" xmlns:p="http://schemas.openxmlformats.org/presentationml/2006/main">
+  <p:cSld>
+    <p:spTree>
+      <p:nvGrpSpPr>
+        <p:cNvPr id="1" name=""/>
+        <p:cNvGrpSpPr/>
+        <p:nvPr/>
+      </p:nvGrpSpPr>
+      <p:grpSpPr>
+        <a:xfrm>
+          <a:off x="0" y="0"/>
+          <a:ext cx="0" cy="0"/>
+          <a:chOff x="0" y="0"/>
+          <a:chExt cx="0" cy="0"/>
+        </a:xfrm>
+      </p:grpSpPr>
+      <p:sp>
+        <p:nvSpPr>
+          <p:cNvPr id="21" name="TextBox 20">
+            <a:extLst>
+              <a:ext uri="{FF2B5EF4-FFF2-40B4-BE49-F238E27FC236}">
+                <a16:creationId xmlns:a16="http://schemas.microsoft.com/office/drawing/2014/main" id="{EDF601CE-96B7-4D58-86AC-3A4A6C632FEC}"/>
+              </a:ext>
+            </a:extLst>
+          </p:cNvPr>
+          <p:cNvSpPr txBox="1"/>
+          <p:nvPr/>
+        </p:nvSpPr>
+        <p:spPr>
+          <a:xfrm>
+            <a:off x="2006810" y="2"/>
+            <a:ext cx="1548980" cy="1200329"/>
+          </a:xfrm>
+          <a:prstGeom prst="rect">
+            <a:avLst/>
+          </a:prstGeom>
+          <a:noFill/>
+        </p:spPr>
+        <p:txBody>
+          <a:bodyPr wrap="square" rtlCol="0">
+            <a:spAutoFit/>
+          </a:bodyPr>
+          <a:lstStyle/>
+          <a:p>
+            <a:pPr algn="ctr"/>
+            <a:r>
+              <a:rPr lang="en-US" sz="7200" dirty="0">
+                <a:latin typeface="Bahnschrift" panose="020B0502040204020203" pitchFamily="34" charset="0"/>
+              </a:rPr>
+              <a:t>04</a:t>
+            </a:r>
+          </a:p>
+        </p:txBody>
+      </p:sp>
+    </p:spTree>
+    <p:extLst>
+      <p:ext uri="{BB962C8B-B14F-4D97-AF65-F5344CB8AC3E}">
+        <p14:creationId xmlns:p14="http://schemas.microsoft.com/office/powerpoint/2010/main" val="2029146573"/>
+      </p:ext>
+    </p:extLst>
+  </p:cSld>
+  <p:clrMapOvr>
+    <a:masterClrMapping/>
+  </p:clrMapOvr>
+</p:sld>
+</file>
+
+<file path=ppt/slides/slide5.xml><?xml version="1.0" encoding="utf-8"?>
+<p:sld xmlns:a="http://schemas.openxmlformats.org/drawingml/2006/main" xmlns:r="http://schemas.openxmlformats.org/officeDocument/2006/relationships" xmlns:p="http://schemas.openxmlformats.org/presentationml/2006/main">
+  <p:cSld>
+    <p:spTree>
+      <p:nvGrpSpPr>
+        <p:cNvPr id="1" name=""/>
+        <p:cNvGrpSpPr/>
+        <p:nvPr/>
+      </p:nvGrpSpPr>
+      <p:grpSpPr>
+        <a:xfrm>
+          <a:off x="0" y="0"/>
+          <a:ext cx="0" cy="0"/>
+          <a:chOff x="0" y="0"/>
+          <a:chExt cx="0" cy="0"/>
+        </a:xfrm>
+      </p:grpSpPr>
+      <p:sp>
+        <p:nvSpPr>
+          <p:cNvPr id="21" name="TextBox 20">
+            <a:extLst>
+              <a:ext uri="{FF2B5EF4-FFF2-40B4-BE49-F238E27FC236}">
+                <a16:creationId xmlns:a16="http://schemas.microsoft.com/office/drawing/2014/main" id="{EDF601CE-96B7-4D58-86AC-3A4A6C632FEC}"/>
+              </a:ext>
+            </a:extLst>
+          </p:cNvPr>
+          <p:cNvSpPr txBox="1"/>
+          <p:nvPr/>
+        </p:nvSpPr>
+        <p:spPr>
+          <a:xfrm>
+            <a:off x="2006810" y="2"/>
+            <a:ext cx="1548980" cy="1200329"/>
+          </a:xfrm>
+          <a:prstGeom prst="rect">
+            <a:avLst/>
+          </a:prstGeom>
+          <a:noFill/>
+        </p:spPr>
+        <p:txBody>
+          <a:bodyPr wrap="square" rtlCol="0">
+            <a:spAutoFit/>
+          </a:bodyPr>
+          <a:lstStyle/>
+          <a:p>
+            <a:pPr algn="ctr"/>
+            <a:r>
+              <a:rPr lang="en-US" sz="7200" dirty="0">
+                <a:latin typeface="Bahnschrift" panose="020B0502040204020203" pitchFamily="34" charset="0"/>
+              </a:rPr>
+              <a:t>05</a:t>
+            </a:r>
+          </a:p>
+        </p:txBody>
+      </p:sp>
+    </p:spTree>
+    <p:extLst>
+      <p:ext uri="{BB962C8B-B14F-4D97-AF65-F5344CB8AC3E}">
+        <p14:creationId xmlns:p14="http://schemas.microsoft.com/office/powerpoint/2010/main" val="3579615397"/>
       </p:ext>
     </p:extLst>
   </p:cSld>

--- a/src/graphics-design/sticker/sticker-pallet-header/sticker-pallet-header.pptx
+++ b/src/graphics-design/sticker/sticker-pallet-header/sticker-pallet-header.pptx
@@ -5,7 +5,7 @@
     <p:sldMasterId id="2147483708" r:id="rId1"/>
   </p:sldMasterIdLst>
   <p:notesMasterIdLst>
-    <p:notesMasterId r:id="rId7"/>
+    <p:notesMasterId r:id="rId14"/>
   </p:notesMasterIdLst>
   <p:sldIdLst>
     <p:sldId id="270" r:id="rId2"/>
@@ -13,6 +13,13 @@
     <p:sldId id="272" r:id="rId4"/>
     <p:sldId id="273" r:id="rId5"/>
     <p:sldId id="274" r:id="rId6"/>
+    <p:sldId id="275" r:id="rId7"/>
+    <p:sldId id="276" r:id="rId8"/>
+    <p:sldId id="277" r:id="rId9"/>
+    <p:sldId id="278" r:id="rId10"/>
+    <p:sldId id="279" r:id="rId11"/>
+    <p:sldId id="280" r:id="rId12"/>
+    <p:sldId id="281" r:id="rId13"/>
   </p:sldIdLst>
   <p:sldSz cx="5562600" cy="1085850"/>
   <p:notesSz cx="6858000" cy="9144000"/>
@@ -204,7 +211,7 @@
           <a:p>
             <a:fld id="{DF41DC7A-DB47-468C-B6DF-5DFDE303388D}" type="datetimeFigureOut">
               <a:rPr lang="en-US" smtClean="0"/>
-              <a:t>6/12/2020</a:t>
+              <a:t>6/15/2020</a:t>
             </a:fld>
             <a:endParaRPr lang="en-US"/>
           </a:p>
@@ -560,6 +567,273 @@
 </p:notes>
 </file>
 
+<file path=ppt/notesSlides/notesSlide10.xml><?xml version="1.0" encoding="utf-8"?>
+<p:notes xmlns:a="http://schemas.openxmlformats.org/drawingml/2006/main" xmlns:r="http://schemas.openxmlformats.org/officeDocument/2006/relationships" xmlns:p="http://schemas.openxmlformats.org/presentationml/2006/main">
+  <p:cSld>
+    <p:spTree>
+      <p:nvGrpSpPr>
+        <p:cNvPr id="1" name=""/>
+        <p:cNvGrpSpPr/>
+        <p:nvPr/>
+      </p:nvGrpSpPr>
+      <p:grpSpPr>
+        <a:xfrm>
+          <a:off x="0" y="0"/>
+          <a:ext cx="0" cy="0"/>
+          <a:chOff x="0" y="0"/>
+          <a:chExt cx="0" cy="0"/>
+        </a:xfrm>
+      </p:grpSpPr>
+      <p:sp>
+        <p:nvSpPr>
+          <p:cNvPr id="2" name="Slide Image Placeholder 1"/>
+          <p:cNvSpPr>
+            <a:spLocks noGrp="1" noRot="1" noChangeAspect="1"/>
+          </p:cNvSpPr>
+          <p:nvPr>
+            <p:ph type="sldImg"/>
+          </p:nvPr>
+        </p:nvSpPr>
+        <p:spPr>
+          <a:xfrm>
+            <a:off x="-4475163" y="1143000"/>
+            <a:ext cx="15808326" cy="3086100"/>
+          </a:xfrm>
+        </p:spPr>
+      </p:sp>
+      <p:sp>
+        <p:nvSpPr>
+          <p:cNvPr id="3" name="Notes Placeholder 2"/>
+          <p:cNvSpPr>
+            <a:spLocks noGrp="1"/>
+          </p:cNvSpPr>
+          <p:nvPr>
+            <p:ph type="body" idx="1"/>
+          </p:nvPr>
+        </p:nvSpPr>
+        <p:spPr/>
+        <p:txBody>
+          <a:bodyPr/>
+          <a:lstStyle/>
+          <a:p>
+            <a:endParaRPr lang="en-US"/>
+          </a:p>
+        </p:txBody>
+      </p:sp>
+      <p:sp>
+        <p:nvSpPr>
+          <p:cNvPr id="4" name="Slide Number Placeholder 3"/>
+          <p:cNvSpPr>
+            <a:spLocks noGrp="1"/>
+          </p:cNvSpPr>
+          <p:nvPr>
+            <p:ph type="sldNum" sz="quarter" idx="5"/>
+          </p:nvPr>
+        </p:nvSpPr>
+        <p:spPr/>
+        <p:txBody>
+          <a:bodyPr/>
+          <a:lstStyle/>
+          <a:p>
+            <a:fld id="{F53865C4-80E3-4E77-A162-C079E6D99C32}" type="slidenum">
+              <a:rPr lang="en-US" smtClean="0"/>
+              <a:t>10</a:t>
+            </a:fld>
+            <a:endParaRPr lang="en-US"/>
+          </a:p>
+        </p:txBody>
+      </p:sp>
+    </p:spTree>
+    <p:extLst>
+      <p:ext uri="{BB962C8B-B14F-4D97-AF65-F5344CB8AC3E}">
+        <p14:creationId xmlns:p14="http://schemas.microsoft.com/office/powerpoint/2010/main" val="1490905136"/>
+      </p:ext>
+    </p:extLst>
+  </p:cSld>
+  <p:clrMapOvr>
+    <a:masterClrMapping/>
+  </p:clrMapOvr>
+</p:notes>
+</file>
+
+<file path=ppt/notesSlides/notesSlide11.xml><?xml version="1.0" encoding="utf-8"?>
+<p:notes xmlns:a="http://schemas.openxmlformats.org/drawingml/2006/main" xmlns:r="http://schemas.openxmlformats.org/officeDocument/2006/relationships" xmlns:p="http://schemas.openxmlformats.org/presentationml/2006/main">
+  <p:cSld>
+    <p:spTree>
+      <p:nvGrpSpPr>
+        <p:cNvPr id="1" name=""/>
+        <p:cNvGrpSpPr/>
+        <p:nvPr/>
+      </p:nvGrpSpPr>
+      <p:grpSpPr>
+        <a:xfrm>
+          <a:off x="0" y="0"/>
+          <a:ext cx="0" cy="0"/>
+          <a:chOff x="0" y="0"/>
+          <a:chExt cx="0" cy="0"/>
+        </a:xfrm>
+      </p:grpSpPr>
+      <p:sp>
+        <p:nvSpPr>
+          <p:cNvPr id="2" name="Slide Image Placeholder 1"/>
+          <p:cNvSpPr>
+            <a:spLocks noGrp="1" noRot="1" noChangeAspect="1"/>
+          </p:cNvSpPr>
+          <p:nvPr>
+            <p:ph type="sldImg"/>
+          </p:nvPr>
+        </p:nvSpPr>
+        <p:spPr>
+          <a:xfrm>
+            <a:off x="-4475163" y="1143000"/>
+            <a:ext cx="15808326" cy="3086100"/>
+          </a:xfrm>
+        </p:spPr>
+      </p:sp>
+      <p:sp>
+        <p:nvSpPr>
+          <p:cNvPr id="3" name="Notes Placeholder 2"/>
+          <p:cNvSpPr>
+            <a:spLocks noGrp="1"/>
+          </p:cNvSpPr>
+          <p:nvPr>
+            <p:ph type="body" idx="1"/>
+          </p:nvPr>
+        </p:nvSpPr>
+        <p:spPr/>
+        <p:txBody>
+          <a:bodyPr/>
+          <a:lstStyle/>
+          <a:p>
+            <a:endParaRPr lang="en-US"/>
+          </a:p>
+        </p:txBody>
+      </p:sp>
+      <p:sp>
+        <p:nvSpPr>
+          <p:cNvPr id="4" name="Slide Number Placeholder 3"/>
+          <p:cNvSpPr>
+            <a:spLocks noGrp="1"/>
+          </p:cNvSpPr>
+          <p:nvPr>
+            <p:ph type="sldNum" sz="quarter" idx="5"/>
+          </p:nvPr>
+        </p:nvSpPr>
+        <p:spPr/>
+        <p:txBody>
+          <a:bodyPr/>
+          <a:lstStyle/>
+          <a:p>
+            <a:fld id="{F53865C4-80E3-4E77-A162-C079E6D99C32}" type="slidenum">
+              <a:rPr lang="en-US" smtClean="0"/>
+              <a:t>11</a:t>
+            </a:fld>
+            <a:endParaRPr lang="en-US"/>
+          </a:p>
+        </p:txBody>
+      </p:sp>
+    </p:spTree>
+    <p:extLst>
+      <p:ext uri="{BB962C8B-B14F-4D97-AF65-F5344CB8AC3E}">
+        <p14:creationId xmlns:p14="http://schemas.microsoft.com/office/powerpoint/2010/main" val="4183342354"/>
+      </p:ext>
+    </p:extLst>
+  </p:cSld>
+  <p:clrMapOvr>
+    <a:masterClrMapping/>
+  </p:clrMapOvr>
+</p:notes>
+</file>
+
+<file path=ppt/notesSlides/notesSlide12.xml><?xml version="1.0" encoding="utf-8"?>
+<p:notes xmlns:a="http://schemas.openxmlformats.org/drawingml/2006/main" xmlns:r="http://schemas.openxmlformats.org/officeDocument/2006/relationships" xmlns:p="http://schemas.openxmlformats.org/presentationml/2006/main">
+  <p:cSld>
+    <p:spTree>
+      <p:nvGrpSpPr>
+        <p:cNvPr id="1" name=""/>
+        <p:cNvGrpSpPr/>
+        <p:nvPr/>
+      </p:nvGrpSpPr>
+      <p:grpSpPr>
+        <a:xfrm>
+          <a:off x="0" y="0"/>
+          <a:ext cx="0" cy="0"/>
+          <a:chOff x="0" y="0"/>
+          <a:chExt cx="0" cy="0"/>
+        </a:xfrm>
+      </p:grpSpPr>
+      <p:sp>
+        <p:nvSpPr>
+          <p:cNvPr id="2" name="Slide Image Placeholder 1"/>
+          <p:cNvSpPr>
+            <a:spLocks noGrp="1" noRot="1" noChangeAspect="1"/>
+          </p:cNvSpPr>
+          <p:nvPr>
+            <p:ph type="sldImg"/>
+          </p:nvPr>
+        </p:nvSpPr>
+        <p:spPr>
+          <a:xfrm>
+            <a:off x="-4475163" y="1143000"/>
+            <a:ext cx="15808326" cy="3086100"/>
+          </a:xfrm>
+        </p:spPr>
+      </p:sp>
+      <p:sp>
+        <p:nvSpPr>
+          <p:cNvPr id="3" name="Notes Placeholder 2"/>
+          <p:cNvSpPr>
+            <a:spLocks noGrp="1"/>
+          </p:cNvSpPr>
+          <p:nvPr>
+            <p:ph type="body" idx="1"/>
+          </p:nvPr>
+        </p:nvSpPr>
+        <p:spPr/>
+        <p:txBody>
+          <a:bodyPr/>
+          <a:lstStyle/>
+          <a:p>
+            <a:endParaRPr lang="en-US"/>
+          </a:p>
+        </p:txBody>
+      </p:sp>
+      <p:sp>
+        <p:nvSpPr>
+          <p:cNvPr id="4" name="Slide Number Placeholder 3"/>
+          <p:cNvSpPr>
+            <a:spLocks noGrp="1"/>
+          </p:cNvSpPr>
+          <p:nvPr>
+            <p:ph type="sldNum" sz="quarter" idx="5"/>
+          </p:nvPr>
+        </p:nvSpPr>
+        <p:spPr/>
+        <p:txBody>
+          <a:bodyPr/>
+          <a:lstStyle/>
+          <a:p>
+            <a:fld id="{F53865C4-80E3-4E77-A162-C079E6D99C32}" type="slidenum">
+              <a:rPr lang="en-US" smtClean="0"/>
+              <a:t>12</a:t>
+            </a:fld>
+            <a:endParaRPr lang="en-US"/>
+          </a:p>
+        </p:txBody>
+      </p:sp>
+    </p:spTree>
+    <p:extLst>
+      <p:ext uri="{BB962C8B-B14F-4D97-AF65-F5344CB8AC3E}">
+        <p14:creationId xmlns:p14="http://schemas.microsoft.com/office/powerpoint/2010/main" val="460752745"/>
+      </p:ext>
+    </p:extLst>
+  </p:cSld>
+  <p:clrMapOvr>
+    <a:masterClrMapping/>
+  </p:clrMapOvr>
+</p:notes>
+</file>
+
 <file path=ppt/notesSlides/notesSlide2.xml><?xml version="1.0" encoding="utf-8"?>
 <p:notes xmlns:a="http://schemas.openxmlformats.org/drawingml/2006/main" xmlns:r="http://schemas.openxmlformats.org/officeDocument/2006/relationships" xmlns:p="http://schemas.openxmlformats.org/presentationml/2006/main">
   <p:cSld>
@@ -916,6 +1190,362 @@
 </p:notes>
 </file>
 
+<file path=ppt/notesSlides/notesSlide6.xml><?xml version="1.0" encoding="utf-8"?>
+<p:notes xmlns:a="http://schemas.openxmlformats.org/drawingml/2006/main" xmlns:r="http://schemas.openxmlformats.org/officeDocument/2006/relationships" xmlns:p="http://schemas.openxmlformats.org/presentationml/2006/main">
+  <p:cSld>
+    <p:spTree>
+      <p:nvGrpSpPr>
+        <p:cNvPr id="1" name=""/>
+        <p:cNvGrpSpPr/>
+        <p:nvPr/>
+      </p:nvGrpSpPr>
+      <p:grpSpPr>
+        <a:xfrm>
+          <a:off x="0" y="0"/>
+          <a:ext cx="0" cy="0"/>
+          <a:chOff x="0" y="0"/>
+          <a:chExt cx="0" cy="0"/>
+        </a:xfrm>
+      </p:grpSpPr>
+      <p:sp>
+        <p:nvSpPr>
+          <p:cNvPr id="2" name="Slide Image Placeholder 1"/>
+          <p:cNvSpPr>
+            <a:spLocks noGrp="1" noRot="1" noChangeAspect="1"/>
+          </p:cNvSpPr>
+          <p:nvPr>
+            <p:ph type="sldImg"/>
+          </p:nvPr>
+        </p:nvSpPr>
+        <p:spPr>
+          <a:xfrm>
+            <a:off x="-4475163" y="1143000"/>
+            <a:ext cx="15808326" cy="3086100"/>
+          </a:xfrm>
+        </p:spPr>
+      </p:sp>
+      <p:sp>
+        <p:nvSpPr>
+          <p:cNvPr id="3" name="Notes Placeholder 2"/>
+          <p:cNvSpPr>
+            <a:spLocks noGrp="1"/>
+          </p:cNvSpPr>
+          <p:nvPr>
+            <p:ph type="body" idx="1"/>
+          </p:nvPr>
+        </p:nvSpPr>
+        <p:spPr/>
+        <p:txBody>
+          <a:bodyPr/>
+          <a:lstStyle/>
+          <a:p>
+            <a:endParaRPr lang="en-US"/>
+          </a:p>
+        </p:txBody>
+      </p:sp>
+      <p:sp>
+        <p:nvSpPr>
+          <p:cNvPr id="4" name="Slide Number Placeholder 3"/>
+          <p:cNvSpPr>
+            <a:spLocks noGrp="1"/>
+          </p:cNvSpPr>
+          <p:nvPr>
+            <p:ph type="sldNum" sz="quarter" idx="5"/>
+          </p:nvPr>
+        </p:nvSpPr>
+        <p:spPr/>
+        <p:txBody>
+          <a:bodyPr/>
+          <a:lstStyle/>
+          <a:p>
+            <a:fld id="{F53865C4-80E3-4E77-A162-C079E6D99C32}" type="slidenum">
+              <a:rPr lang="en-US" smtClean="0"/>
+              <a:t>6</a:t>
+            </a:fld>
+            <a:endParaRPr lang="en-US"/>
+          </a:p>
+        </p:txBody>
+      </p:sp>
+    </p:spTree>
+    <p:extLst>
+      <p:ext uri="{BB962C8B-B14F-4D97-AF65-F5344CB8AC3E}">
+        <p14:creationId xmlns:p14="http://schemas.microsoft.com/office/powerpoint/2010/main" val="2458792898"/>
+      </p:ext>
+    </p:extLst>
+  </p:cSld>
+  <p:clrMapOvr>
+    <a:masterClrMapping/>
+  </p:clrMapOvr>
+</p:notes>
+</file>
+
+<file path=ppt/notesSlides/notesSlide7.xml><?xml version="1.0" encoding="utf-8"?>
+<p:notes xmlns:a="http://schemas.openxmlformats.org/drawingml/2006/main" xmlns:r="http://schemas.openxmlformats.org/officeDocument/2006/relationships" xmlns:p="http://schemas.openxmlformats.org/presentationml/2006/main">
+  <p:cSld>
+    <p:spTree>
+      <p:nvGrpSpPr>
+        <p:cNvPr id="1" name=""/>
+        <p:cNvGrpSpPr/>
+        <p:nvPr/>
+      </p:nvGrpSpPr>
+      <p:grpSpPr>
+        <a:xfrm>
+          <a:off x="0" y="0"/>
+          <a:ext cx="0" cy="0"/>
+          <a:chOff x="0" y="0"/>
+          <a:chExt cx="0" cy="0"/>
+        </a:xfrm>
+      </p:grpSpPr>
+      <p:sp>
+        <p:nvSpPr>
+          <p:cNvPr id="2" name="Slide Image Placeholder 1"/>
+          <p:cNvSpPr>
+            <a:spLocks noGrp="1" noRot="1" noChangeAspect="1"/>
+          </p:cNvSpPr>
+          <p:nvPr>
+            <p:ph type="sldImg"/>
+          </p:nvPr>
+        </p:nvSpPr>
+        <p:spPr>
+          <a:xfrm>
+            <a:off x="-4475163" y="1143000"/>
+            <a:ext cx="15808326" cy="3086100"/>
+          </a:xfrm>
+        </p:spPr>
+      </p:sp>
+      <p:sp>
+        <p:nvSpPr>
+          <p:cNvPr id="3" name="Notes Placeholder 2"/>
+          <p:cNvSpPr>
+            <a:spLocks noGrp="1"/>
+          </p:cNvSpPr>
+          <p:nvPr>
+            <p:ph type="body" idx="1"/>
+          </p:nvPr>
+        </p:nvSpPr>
+        <p:spPr/>
+        <p:txBody>
+          <a:bodyPr/>
+          <a:lstStyle/>
+          <a:p>
+            <a:endParaRPr lang="en-US"/>
+          </a:p>
+        </p:txBody>
+      </p:sp>
+      <p:sp>
+        <p:nvSpPr>
+          <p:cNvPr id="4" name="Slide Number Placeholder 3"/>
+          <p:cNvSpPr>
+            <a:spLocks noGrp="1"/>
+          </p:cNvSpPr>
+          <p:nvPr>
+            <p:ph type="sldNum" sz="quarter" idx="5"/>
+          </p:nvPr>
+        </p:nvSpPr>
+        <p:spPr/>
+        <p:txBody>
+          <a:bodyPr/>
+          <a:lstStyle/>
+          <a:p>
+            <a:fld id="{F53865C4-80E3-4E77-A162-C079E6D99C32}" type="slidenum">
+              <a:rPr lang="en-US" smtClean="0"/>
+              <a:t>7</a:t>
+            </a:fld>
+            <a:endParaRPr lang="en-US"/>
+          </a:p>
+        </p:txBody>
+      </p:sp>
+    </p:spTree>
+    <p:extLst>
+      <p:ext uri="{BB962C8B-B14F-4D97-AF65-F5344CB8AC3E}">
+        <p14:creationId xmlns:p14="http://schemas.microsoft.com/office/powerpoint/2010/main" val="2982207312"/>
+      </p:ext>
+    </p:extLst>
+  </p:cSld>
+  <p:clrMapOvr>
+    <a:masterClrMapping/>
+  </p:clrMapOvr>
+</p:notes>
+</file>
+
+<file path=ppt/notesSlides/notesSlide8.xml><?xml version="1.0" encoding="utf-8"?>
+<p:notes xmlns:a="http://schemas.openxmlformats.org/drawingml/2006/main" xmlns:r="http://schemas.openxmlformats.org/officeDocument/2006/relationships" xmlns:p="http://schemas.openxmlformats.org/presentationml/2006/main">
+  <p:cSld>
+    <p:spTree>
+      <p:nvGrpSpPr>
+        <p:cNvPr id="1" name=""/>
+        <p:cNvGrpSpPr/>
+        <p:nvPr/>
+      </p:nvGrpSpPr>
+      <p:grpSpPr>
+        <a:xfrm>
+          <a:off x="0" y="0"/>
+          <a:ext cx="0" cy="0"/>
+          <a:chOff x="0" y="0"/>
+          <a:chExt cx="0" cy="0"/>
+        </a:xfrm>
+      </p:grpSpPr>
+      <p:sp>
+        <p:nvSpPr>
+          <p:cNvPr id="2" name="Slide Image Placeholder 1"/>
+          <p:cNvSpPr>
+            <a:spLocks noGrp="1" noRot="1" noChangeAspect="1"/>
+          </p:cNvSpPr>
+          <p:nvPr>
+            <p:ph type="sldImg"/>
+          </p:nvPr>
+        </p:nvSpPr>
+        <p:spPr>
+          <a:xfrm>
+            <a:off x="-4475163" y="1143000"/>
+            <a:ext cx="15808326" cy="3086100"/>
+          </a:xfrm>
+        </p:spPr>
+      </p:sp>
+      <p:sp>
+        <p:nvSpPr>
+          <p:cNvPr id="3" name="Notes Placeholder 2"/>
+          <p:cNvSpPr>
+            <a:spLocks noGrp="1"/>
+          </p:cNvSpPr>
+          <p:nvPr>
+            <p:ph type="body" idx="1"/>
+          </p:nvPr>
+        </p:nvSpPr>
+        <p:spPr/>
+        <p:txBody>
+          <a:bodyPr/>
+          <a:lstStyle/>
+          <a:p>
+            <a:endParaRPr lang="en-US"/>
+          </a:p>
+        </p:txBody>
+      </p:sp>
+      <p:sp>
+        <p:nvSpPr>
+          <p:cNvPr id="4" name="Slide Number Placeholder 3"/>
+          <p:cNvSpPr>
+            <a:spLocks noGrp="1"/>
+          </p:cNvSpPr>
+          <p:nvPr>
+            <p:ph type="sldNum" sz="quarter" idx="5"/>
+          </p:nvPr>
+        </p:nvSpPr>
+        <p:spPr/>
+        <p:txBody>
+          <a:bodyPr/>
+          <a:lstStyle/>
+          <a:p>
+            <a:fld id="{F53865C4-80E3-4E77-A162-C079E6D99C32}" type="slidenum">
+              <a:rPr lang="en-US" smtClean="0"/>
+              <a:t>8</a:t>
+            </a:fld>
+            <a:endParaRPr lang="en-US"/>
+          </a:p>
+        </p:txBody>
+      </p:sp>
+    </p:spTree>
+    <p:extLst>
+      <p:ext uri="{BB962C8B-B14F-4D97-AF65-F5344CB8AC3E}">
+        <p14:creationId xmlns:p14="http://schemas.microsoft.com/office/powerpoint/2010/main" val="1349019675"/>
+      </p:ext>
+    </p:extLst>
+  </p:cSld>
+  <p:clrMapOvr>
+    <a:masterClrMapping/>
+  </p:clrMapOvr>
+</p:notes>
+</file>
+
+<file path=ppt/notesSlides/notesSlide9.xml><?xml version="1.0" encoding="utf-8"?>
+<p:notes xmlns:a="http://schemas.openxmlformats.org/drawingml/2006/main" xmlns:r="http://schemas.openxmlformats.org/officeDocument/2006/relationships" xmlns:p="http://schemas.openxmlformats.org/presentationml/2006/main">
+  <p:cSld>
+    <p:spTree>
+      <p:nvGrpSpPr>
+        <p:cNvPr id="1" name=""/>
+        <p:cNvGrpSpPr/>
+        <p:nvPr/>
+      </p:nvGrpSpPr>
+      <p:grpSpPr>
+        <a:xfrm>
+          <a:off x="0" y="0"/>
+          <a:ext cx="0" cy="0"/>
+          <a:chOff x="0" y="0"/>
+          <a:chExt cx="0" cy="0"/>
+        </a:xfrm>
+      </p:grpSpPr>
+      <p:sp>
+        <p:nvSpPr>
+          <p:cNvPr id="2" name="Slide Image Placeholder 1"/>
+          <p:cNvSpPr>
+            <a:spLocks noGrp="1" noRot="1" noChangeAspect="1"/>
+          </p:cNvSpPr>
+          <p:nvPr>
+            <p:ph type="sldImg"/>
+          </p:nvPr>
+        </p:nvSpPr>
+        <p:spPr>
+          <a:xfrm>
+            <a:off x="-4475163" y="1143000"/>
+            <a:ext cx="15808326" cy="3086100"/>
+          </a:xfrm>
+        </p:spPr>
+      </p:sp>
+      <p:sp>
+        <p:nvSpPr>
+          <p:cNvPr id="3" name="Notes Placeholder 2"/>
+          <p:cNvSpPr>
+            <a:spLocks noGrp="1"/>
+          </p:cNvSpPr>
+          <p:nvPr>
+            <p:ph type="body" idx="1"/>
+          </p:nvPr>
+        </p:nvSpPr>
+        <p:spPr/>
+        <p:txBody>
+          <a:bodyPr/>
+          <a:lstStyle/>
+          <a:p>
+            <a:endParaRPr lang="en-US"/>
+          </a:p>
+        </p:txBody>
+      </p:sp>
+      <p:sp>
+        <p:nvSpPr>
+          <p:cNvPr id="4" name="Slide Number Placeholder 3"/>
+          <p:cNvSpPr>
+            <a:spLocks noGrp="1"/>
+          </p:cNvSpPr>
+          <p:nvPr>
+            <p:ph type="sldNum" sz="quarter" idx="5"/>
+          </p:nvPr>
+        </p:nvSpPr>
+        <p:spPr/>
+        <p:txBody>
+          <a:bodyPr/>
+          <a:lstStyle/>
+          <a:p>
+            <a:fld id="{F53865C4-80E3-4E77-A162-C079E6D99C32}" type="slidenum">
+              <a:rPr lang="en-US" smtClean="0"/>
+              <a:t>9</a:t>
+            </a:fld>
+            <a:endParaRPr lang="en-US"/>
+          </a:p>
+        </p:txBody>
+      </p:sp>
+    </p:spTree>
+    <p:extLst>
+      <p:ext uri="{BB962C8B-B14F-4D97-AF65-F5344CB8AC3E}">
+        <p14:creationId xmlns:p14="http://schemas.microsoft.com/office/powerpoint/2010/main" val="2622653267"/>
+      </p:ext>
+    </p:extLst>
+  </p:cSld>
+  <p:clrMapOvr>
+    <a:masterClrMapping/>
+  </p:clrMapOvr>
+</p:notes>
+</file>
+
 <file path=ppt/slideLayouts/slideLayout1.xml><?xml version="1.0" encoding="utf-8"?>
 <p:sldLayout xmlns:a="http://schemas.openxmlformats.org/drawingml/2006/main" xmlns:r="http://schemas.openxmlformats.org/officeDocument/2006/relationships" xmlns:p="http://schemas.openxmlformats.org/presentationml/2006/main" type="title" preserve="1">
   <p:cSld name="Title Slide">
@@ -1047,7 +1677,7 @@
           <a:p>
             <a:fld id="{08D631B0-FCC3-4B71-8DFD-8362CA9A755F}" type="datetimeFigureOut">
               <a:rPr lang="en-US" smtClean="0"/>
-              <a:t>6/12/2020</a:t>
+              <a:t>6/15/2020</a:t>
             </a:fld>
             <a:endParaRPr lang="en-US"/>
           </a:p>
@@ -1217,7 +1847,7 @@
           <a:p>
             <a:fld id="{08D631B0-FCC3-4B71-8DFD-8362CA9A755F}" type="datetimeFigureOut">
               <a:rPr lang="en-US" smtClean="0"/>
-              <a:t>6/12/2020</a:t>
+              <a:t>6/15/2020</a:t>
             </a:fld>
             <a:endParaRPr lang="en-US"/>
           </a:p>
@@ -1397,7 +2027,7 @@
           <a:p>
             <a:fld id="{08D631B0-FCC3-4B71-8DFD-8362CA9A755F}" type="datetimeFigureOut">
               <a:rPr lang="en-US" smtClean="0"/>
-              <a:t>6/12/2020</a:t>
+              <a:t>6/15/2020</a:t>
             </a:fld>
             <a:endParaRPr lang="en-US"/>
           </a:p>
@@ -1567,7 +2197,7 @@
           <a:p>
             <a:fld id="{08D631B0-FCC3-4B71-8DFD-8362CA9A755F}" type="datetimeFigureOut">
               <a:rPr lang="en-US" smtClean="0"/>
-              <a:t>6/12/2020</a:t>
+              <a:t>6/15/2020</a:t>
             </a:fld>
             <a:endParaRPr lang="en-US"/>
           </a:p>
@@ -1813,7 +2443,7 @@
           <a:p>
             <a:fld id="{08D631B0-FCC3-4B71-8DFD-8362CA9A755F}" type="datetimeFigureOut">
               <a:rPr lang="en-US" smtClean="0"/>
-              <a:t>6/12/2020</a:t>
+              <a:t>6/15/2020</a:t>
             </a:fld>
             <a:endParaRPr lang="en-US"/>
           </a:p>
@@ -2045,7 +2675,7 @@
           <a:p>
             <a:fld id="{08D631B0-FCC3-4B71-8DFD-8362CA9A755F}" type="datetimeFigureOut">
               <a:rPr lang="en-US" smtClean="0"/>
-              <a:t>6/12/2020</a:t>
+              <a:t>6/15/2020</a:t>
             </a:fld>
             <a:endParaRPr lang="en-US"/>
           </a:p>
@@ -2412,7 +3042,7 @@
           <a:p>
             <a:fld id="{08D631B0-FCC3-4B71-8DFD-8362CA9A755F}" type="datetimeFigureOut">
               <a:rPr lang="en-US" smtClean="0"/>
-              <a:t>6/12/2020</a:t>
+              <a:t>6/15/2020</a:t>
             </a:fld>
             <a:endParaRPr lang="en-US"/>
           </a:p>
@@ -2530,7 +3160,7 @@
           <a:p>
             <a:fld id="{08D631B0-FCC3-4B71-8DFD-8362CA9A755F}" type="datetimeFigureOut">
               <a:rPr lang="en-US" smtClean="0"/>
-              <a:t>6/12/2020</a:t>
+              <a:t>6/15/2020</a:t>
             </a:fld>
             <a:endParaRPr lang="en-US"/>
           </a:p>
@@ -2625,7 +3255,7 @@
           <a:p>
             <a:fld id="{08D631B0-FCC3-4B71-8DFD-8362CA9A755F}" type="datetimeFigureOut">
               <a:rPr lang="en-US" smtClean="0"/>
-              <a:t>6/12/2020</a:t>
+              <a:t>6/15/2020</a:t>
             </a:fld>
             <a:endParaRPr lang="en-US"/>
           </a:p>
@@ -2902,7 +3532,7 @@
           <a:p>
             <a:fld id="{08D631B0-FCC3-4B71-8DFD-8362CA9A755F}" type="datetimeFigureOut">
               <a:rPr lang="en-US" smtClean="0"/>
-              <a:t>6/12/2020</a:t>
+              <a:t>6/15/2020</a:t>
             </a:fld>
             <a:endParaRPr lang="en-US"/>
           </a:p>
@@ -3159,7 +3789,7 @@
           <a:p>
             <a:fld id="{08D631B0-FCC3-4B71-8DFD-8362CA9A755F}" type="datetimeFigureOut">
               <a:rPr lang="en-US" smtClean="0"/>
-              <a:t>6/12/2020</a:t>
+              <a:t>6/15/2020</a:t>
             </a:fld>
             <a:endParaRPr lang="en-US"/>
           </a:p>
@@ -3372,7 +4002,7 @@
           <a:p>
             <a:fld id="{08D631B0-FCC3-4B71-8DFD-8362CA9A755F}" type="datetimeFigureOut">
               <a:rPr lang="en-US" smtClean="0"/>
-              <a:t>6/12/2020</a:t>
+              <a:t>6/15/2020</a:t>
             </a:fld>
             <a:endParaRPr lang="en-US"/>
           </a:p>
@@ -3828,6 +4458,210 @@
 </p:sld>
 </file>
 
+<file path=ppt/slides/slide10.xml><?xml version="1.0" encoding="utf-8"?>
+<p:sld xmlns:a="http://schemas.openxmlformats.org/drawingml/2006/main" xmlns:r="http://schemas.openxmlformats.org/officeDocument/2006/relationships" xmlns:p="http://schemas.openxmlformats.org/presentationml/2006/main">
+  <p:cSld>
+    <p:spTree>
+      <p:nvGrpSpPr>
+        <p:cNvPr id="1" name=""/>
+        <p:cNvGrpSpPr/>
+        <p:nvPr/>
+      </p:nvGrpSpPr>
+      <p:grpSpPr>
+        <a:xfrm>
+          <a:off x="0" y="0"/>
+          <a:ext cx="0" cy="0"/>
+          <a:chOff x="0" y="0"/>
+          <a:chExt cx="0" cy="0"/>
+        </a:xfrm>
+      </p:grpSpPr>
+      <p:sp>
+        <p:nvSpPr>
+          <p:cNvPr id="21" name="TextBox 20">
+            <a:extLst>
+              <a:ext uri="{FF2B5EF4-FFF2-40B4-BE49-F238E27FC236}">
+                <a16:creationId xmlns:a16="http://schemas.microsoft.com/office/drawing/2014/main" id="{EDF601CE-96B7-4D58-86AC-3A4A6C632FEC}"/>
+              </a:ext>
+            </a:extLst>
+          </p:cNvPr>
+          <p:cNvSpPr txBox="1"/>
+          <p:nvPr/>
+        </p:nvSpPr>
+        <p:spPr>
+          <a:xfrm>
+            <a:off x="2006810" y="2"/>
+            <a:ext cx="1548980" cy="1200329"/>
+          </a:xfrm>
+          <a:prstGeom prst="rect">
+            <a:avLst/>
+          </a:prstGeom>
+          <a:noFill/>
+        </p:spPr>
+        <p:txBody>
+          <a:bodyPr wrap="square" rtlCol="0">
+            <a:spAutoFit/>
+          </a:bodyPr>
+          <a:lstStyle/>
+          <a:p>
+            <a:pPr algn="ctr"/>
+            <a:r>
+              <a:rPr lang="en-US" sz="7200" dirty="0">
+                <a:latin typeface="Bahnschrift" panose="020B0502040204020203" pitchFamily="34" charset="0"/>
+              </a:rPr>
+              <a:t>10</a:t>
+            </a:r>
+          </a:p>
+        </p:txBody>
+      </p:sp>
+    </p:spTree>
+    <p:extLst>
+      <p:ext uri="{BB962C8B-B14F-4D97-AF65-F5344CB8AC3E}">
+        <p14:creationId xmlns:p14="http://schemas.microsoft.com/office/powerpoint/2010/main" val="1629683753"/>
+      </p:ext>
+    </p:extLst>
+  </p:cSld>
+  <p:clrMapOvr>
+    <a:masterClrMapping/>
+  </p:clrMapOvr>
+</p:sld>
+</file>
+
+<file path=ppt/slides/slide11.xml><?xml version="1.0" encoding="utf-8"?>
+<p:sld xmlns:a="http://schemas.openxmlformats.org/drawingml/2006/main" xmlns:r="http://schemas.openxmlformats.org/officeDocument/2006/relationships" xmlns:p="http://schemas.openxmlformats.org/presentationml/2006/main">
+  <p:cSld>
+    <p:spTree>
+      <p:nvGrpSpPr>
+        <p:cNvPr id="1" name=""/>
+        <p:cNvGrpSpPr/>
+        <p:nvPr/>
+      </p:nvGrpSpPr>
+      <p:grpSpPr>
+        <a:xfrm>
+          <a:off x="0" y="0"/>
+          <a:ext cx="0" cy="0"/>
+          <a:chOff x="0" y="0"/>
+          <a:chExt cx="0" cy="0"/>
+        </a:xfrm>
+      </p:grpSpPr>
+      <p:sp>
+        <p:nvSpPr>
+          <p:cNvPr id="21" name="TextBox 20">
+            <a:extLst>
+              <a:ext uri="{FF2B5EF4-FFF2-40B4-BE49-F238E27FC236}">
+                <a16:creationId xmlns:a16="http://schemas.microsoft.com/office/drawing/2014/main" id="{EDF601CE-96B7-4D58-86AC-3A4A6C632FEC}"/>
+              </a:ext>
+            </a:extLst>
+          </p:cNvPr>
+          <p:cNvSpPr txBox="1"/>
+          <p:nvPr/>
+        </p:nvSpPr>
+        <p:spPr>
+          <a:xfrm>
+            <a:off x="2006810" y="2"/>
+            <a:ext cx="1548980" cy="1200329"/>
+          </a:xfrm>
+          <a:prstGeom prst="rect">
+            <a:avLst/>
+          </a:prstGeom>
+          <a:noFill/>
+        </p:spPr>
+        <p:txBody>
+          <a:bodyPr wrap="square" rtlCol="0">
+            <a:spAutoFit/>
+          </a:bodyPr>
+          <a:lstStyle/>
+          <a:p>
+            <a:pPr algn="ctr"/>
+            <a:r>
+              <a:rPr lang="en-US" sz="7200" dirty="0">
+                <a:latin typeface="Bahnschrift" panose="020B0502040204020203" pitchFamily="34" charset="0"/>
+              </a:rPr>
+              <a:t>11</a:t>
+            </a:r>
+          </a:p>
+        </p:txBody>
+      </p:sp>
+    </p:spTree>
+    <p:extLst>
+      <p:ext uri="{BB962C8B-B14F-4D97-AF65-F5344CB8AC3E}">
+        <p14:creationId xmlns:p14="http://schemas.microsoft.com/office/powerpoint/2010/main" val="1106046734"/>
+      </p:ext>
+    </p:extLst>
+  </p:cSld>
+  <p:clrMapOvr>
+    <a:masterClrMapping/>
+  </p:clrMapOvr>
+</p:sld>
+</file>
+
+<file path=ppt/slides/slide12.xml><?xml version="1.0" encoding="utf-8"?>
+<p:sld xmlns:a="http://schemas.openxmlformats.org/drawingml/2006/main" xmlns:r="http://schemas.openxmlformats.org/officeDocument/2006/relationships" xmlns:p="http://schemas.openxmlformats.org/presentationml/2006/main">
+  <p:cSld>
+    <p:spTree>
+      <p:nvGrpSpPr>
+        <p:cNvPr id="1" name=""/>
+        <p:cNvGrpSpPr/>
+        <p:nvPr/>
+      </p:nvGrpSpPr>
+      <p:grpSpPr>
+        <a:xfrm>
+          <a:off x="0" y="0"/>
+          <a:ext cx="0" cy="0"/>
+          <a:chOff x="0" y="0"/>
+          <a:chExt cx="0" cy="0"/>
+        </a:xfrm>
+      </p:grpSpPr>
+      <p:sp>
+        <p:nvSpPr>
+          <p:cNvPr id="21" name="TextBox 20">
+            <a:extLst>
+              <a:ext uri="{FF2B5EF4-FFF2-40B4-BE49-F238E27FC236}">
+                <a16:creationId xmlns:a16="http://schemas.microsoft.com/office/drawing/2014/main" id="{EDF601CE-96B7-4D58-86AC-3A4A6C632FEC}"/>
+              </a:ext>
+            </a:extLst>
+          </p:cNvPr>
+          <p:cNvSpPr txBox="1"/>
+          <p:nvPr/>
+        </p:nvSpPr>
+        <p:spPr>
+          <a:xfrm>
+            <a:off x="2006810" y="2"/>
+            <a:ext cx="1548980" cy="1200329"/>
+          </a:xfrm>
+          <a:prstGeom prst="rect">
+            <a:avLst/>
+          </a:prstGeom>
+          <a:noFill/>
+        </p:spPr>
+        <p:txBody>
+          <a:bodyPr wrap="square" rtlCol="0">
+            <a:spAutoFit/>
+          </a:bodyPr>
+          <a:lstStyle/>
+          <a:p>
+            <a:pPr algn="ctr"/>
+            <a:r>
+              <a:rPr lang="en-US" sz="7200" dirty="0">
+                <a:latin typeface="Bahnschrift" panose="020B0502040204020203" pitchFamily="34" charset="0"/>
+              </a:rPr>
+              <a:t>12</a:t>
+            </a:r>
+          </a:p>
+        </p:txBody>
+      </p:sp>
+    </p:spTree>
+    <p:extLst>
+      <p:ext uri="{BB962C8B-B14F-4D97-AF65-F5344CB8AC3E}">
+        <p14:creationId xmlns:p14="http://schemas.microsoft.com/office/powerpoint/2010/main" val="680567495"/>
+      </p:ext>
+    </p:extLst>
+  </p:cSld>
+  <p:clrMapOvr>
+    <a:masterClrMapping/>
+  </p:clrMapOvr>
+</p:sld>
+</file>
+
 <file path=ppt/slides/slide2.xml><?xml version="1.0" encoding="utf-8"?>
 <p:sld xmlns:a="http://schemas.openxmlformats.org/drawingml/2006/main" xmlns:r="http://schemas.openxmlformats.org/officeDocument/2006/relationships" xmlns:p="http://schemas.openxmlformats.org/presentationml/2006/main">
   <p:cSld>
@@ -4091,6 +4925,278 @@
     <p:extLst>
       <p:ext uri="{BB962C8B-B14F-4D97-AF65-F5344CB8AC3E}">
         <p14:creationId xmlns:p14="http://schemas.microsoft.com/office/powerpoint/2010/main" val="3579615397"/>
+      </p:ext>
+    </p:extLst>
+  </p:cSld>
+  <p:clrMapOvr>
+    <a:masterClrMapping/>
+  </p:clrMapOvr>
+</p:sld>
+</file>
+
+<file path=ppt/slides/slide6.xml><?xml version="1.0" encoding="utf-8"?>
+<p:sld xmlns:a="http://schemas.openxmlformats.org/drawingml/2006/main" xmlns:r="http://schemas.openxmlformats.org/officeDocument/2006/relationships" xmlns:p="http://schemas.openxmlformats.org/presentationml/2006/main">
+  <p:cSld>
+    <p:spTree>
+      <p:nvGrpSpPr>
+        <p:cNvPr id="1" name=""/>
+        <p:cNvGrpSpPr/>
+        <p:nvPr/>
+      </p:nvGrpSpPr>
+      <p:grpSpPr>
+        <a:xfrm>
+          <a:off x="0" y="0"/>
+          <a:ext cx="0" cy="0"/>
+          <a:chOff x="0" y="0"/>
+          <a:chExt cx="0" cy="0"/>
+        </a:xfrm>
+      </p:grpSpPr>
+      <p:sp>
+        <p:nvSpPr>
+          <p:cNvPr id="21" name="TextBox 20">
+            <a:extLst>
+              <a:ext uri="{FF2B5EF4-FFF2-40B4-BE49-F238E27FC236}">
+                <a16:creationId xmlns:a16="http://schemas.microsoft.com/office/drawing/2014/main" id="{EDF601CE-96B7-4D58-86AC-3A4A6C632FEC}"/>
+              </a:ext>
+            </a:extLst>
+          </p:cNvPr>
+          <p:cNvSpPr txBox="1"/>
+          <p:nvPr/>
+        </p:nvSpPr>
+        <p:spPr>
+          <a:xfrm>
+            <a:off x="2006810" y="2"/>
+            <a:ext cx="1548980" cy="1200329"/>
+          </a:xfrm>
+          <a:prstGeom prst="rect">
+            <a:avLst/>
+          </a:prstGeom>
+          <a:noFill/>
+        </p:spPr>
+        <p:txBody>
+          <a:bodyPr wrap="square" rtlCol="0">
+            <a:spAutoFit/>
+          </a:bodyPr>
+          <a:lstStyle/>
+          <a:p>
+            <a:pPr algn="ctr"/>
+            <a:r>
+              <a:rPr lang="en-US" sz="7200" dirty="0">
+                <a:latin typeface="Bahnschrift" panose="020B0502040204020203" pitchFamily="34" charset="0"/>
+              </a:rPr>
+              <a:t>06</a:t>
+            </a:r>
+          </a:p>
+        </p:txBody>
+      </p:sp>
+    </p:spTree>
+    <p:extLst>
+      <p:ext uri="{BB962C8B-B14F-4D97-AF65-F5344CB8AC3E}">
+        <p14:creationId xmlns:p14="http://schemas.microsoft.com/office/powerpoint/2010/main" val="2055620620"/>
+      </p:ext>
+    </p:extLst>
+  </p:cSld>
+  <p:clrMapOvr>
+    <a:masterClrMapping/>
+  </p:clrMapOvr>
+</p:sld>
+</file>
+
+<file path=ppt/slides/slide7.xml><?xml version="1.0" encoding="utf-8"?>
+<p:sld xmlns:a="http://schemas.openxmlformats.org/drawingml/2006/main" xmlns:r="http://schemas.openxmlformats.org/officeDocument/2006/relationships" xmlns:p="http://schemas.openxmlformats.org/presentationml/2006/main">
+  <p:cSld>
+    <p:spTree>
+      <p:nvGrpSpPr>
+        <p:cNvPr id="1" name=""/>
+        <p:cNvGrpSpPr/>
+        <p:nvPr/>
+      </p:nvGrpSpPr>
+      <p:grpSpPr>
+        <a:xfrm>
+          <a:off x="0" y="0"/>
+          <a:ext cx="0" cy="0"/>
+          <a:chOff x="0" y="0"/>
+          <a:chExt cx="0" cy="0"/>
+        </a:xfrm>
+      </p:grpSpPr>
+      <p:sp>
+        <p:nvSpPr>
+          <p:cNvPr id="21" name="TextBox 20">
+            <a:extLst>
+              <a:ext uri="{FF2B5EF4-FFF2-40B4-BE49-F238E27FC236}">
+                <a16:creationId xmlns:a16="http://schemas.microsoft.com/office/drawing/2014/main" id="{EDF601CE-96B7-4D58-86AC-3A4A6C632FEC}"/>
+              </a:ext>
+            </a:extLst>
+          </p:cNvPr>
+          <p:cNvSpPr txBox="1"/>
+          <p:nvPr/>
+        </p:nvSpPr>
+        <p:spPr>
+          <a:xfrm>
+            <a:off x="2006810" y="2"/>
+            <a:ext cx="1548980" cy="1200329"/>
+          </a:xfrm>
+          <a:prstGeom prst="rect">
+            <a:avLst/>
+          </a:prstGeom>
+          <a:noFill/>
+        </p:spPr>
+        <p:txBody>
+          <a:bodyPr wrap="square" rtlCol="0">
+            <a:spAutoFit/>
+          </a:bodyPr>
+          <a:lstStyle/>
+          <a:p>
+            <a:pPr algn="ctr"/>
+            <a:r>
+              <a:rPr lang="en-US" sz="7200" dirty="0">
+                <a:latin typeface="Bahnschrift" panose="020B0502040204020203" pitchFamily="34" charset="0"/>
+              </a:rPr>
+              <a:t>07</a:t>
+            </a:r>
+          </a:p>
+        </p:txBody>
+      </p:sp>
+    </p:spTree>
+    <p:extLst>
+      <p:ext uri="{BB962C8B-B14F-4D97-AF65-F5344CB8AC3E}">
+        <p14:creationId xmlns:p14="http://schemas.microsoft.com/office/powerpoint/2010/main" val="1177508600"/>
+      </p:ext>
+    </p:extLst>
+  </p:cSld>
+  <p:clrMapOvr>
+    <a:masterClrMapping/>
+  </p:clrMapOvr>
+</p:sld>
+</file>
+
+<file path=ppt/slides/slide8.xml><?xml version="1.0" encoding="utf-8"?>
+<p:sld xmlns:a="http://schemas.openxmlformats.org/drawingml/2006/main" xmlns:r="http://schemas.openxmlformats.org/officeDocument/2006/relationships" xmlns:p="http://schemas.openxmlformats.org/presentationml/2006/main">
+  <p:cSld>
+    <p:spTree>
+      <p:nvGrpSpPr>
+        <p:cNvPr id="1" name=""/>
+        <p:cNvGrpSpPr/>
+        <p:nvPr/>
+      </p:nvGrpSpPr>
+      <p:grpSpPr>
+        <a:xfrm>
+          <a:off x="0" y="0"/>
+          <a:ext cx="0" cy="0"/>
+          <a:chOff x="0" y="0"/>
+          <a:chExt cx="0" cy="0"/>
+        </a:xfrm>
+      </p:grpSpPr>
+      <p:sp>
+        <p:nvSpPr>
+          <p:cNvPr id="21" name="TextBox 20">
+            <a:extLst>
+              <a:ext uri="{FF2B5EF4-FFF2-40B4-BE49-F238E27FC236}">
+                <a16:creationId xmlns:a16="http://schemas.microsoft.com/office/drawing/2014/main" id="{EDF601CE-96B7-4D58-86AC-3A4A6C632FEC}"/>
+              </a:ext>
+            </a:extLst>
+          </p:cNvPr>
+          <p:cNvSpPr txBox="1"/>
+          <p:nvPr/>
+        </p:nvSpPr>
+        <p:spPr>
+          <a:xfrm>
+            <a:off x="2006810" y="2"/>
+            <a:ext cx="1548980" cy="1200329"/>
+          </a:xfrm>
+          <a:prstGeom prst="rect">
+            <a:avLst/>
+          </a:prstGeom>
+          <a:noFill/>
+        </p:spPr>
+        <p:txBody>
+          <a:bodyPr wrap="square" rtlCol="0">
+            <a:spAutoFit/>
+          </a:bodyPr>
+          <a:lstStyle/>
+          <a:p>
+            <a:pPr algn="ctr"/>
+            <a:r>
+              <a:rPr lang="en-US" sz="7200" dirty="0">
+                <a:latin typeface="Bahnschrift" panose="020B0502040204020203" pitchFamily="34" charset="0"/>
+              </a:rPr>
+              <a:t>08</a:t>
+            </a:r>
+          </a:p>
+        </p:txBody>
+      </p:sp>
+    </p:spTree>
+    <p:extLst>
+      <p:ext uri="{BB962C8B-B14F-4D97-AF65-F5344CB8AC3E}">
+        <p14:creationId xmlns:p14="http://schemas.microsoft.com/office/powerpoint/2010/main" val="943599533"/>
+      </p:ext>
+    </p:extLst>
+  </p:cSld>
+  <p:clrMapOvr>
+    <a:masterClrMapping/>
+  </p:clrMapOvr>
+</p:sld>
+</file>
+
+<file path=ppt/slides/slide9.xml><?xml version="1.0" encoding="utf-8"?>
+<p:sld xmlns:a="http://schemas.openxmlformats.org/drawingml/2006/main" xmlns:r="http://schemas.openxmlformats.org/officeDocument/2006/relationships" xmlns:p="http://schemas.openxmlformats.org/presentationml/2006/main">
+  <p:cSld>
+    <p:spTree>
+      <p:nvGrpSpPr>
+        <p:cNvPr id="1" name=""/>
+        <p:cNvGrpSpPr/>
+        <p:nvPr/>
+      </p:nvGrpSpPr>
+      <p:grpSpPr>
+        <a:xfrm>
+          <a:off x="0" y="0"/>
+          <a:ext cx="0" cy="0"/>
+          <a:chOff x="0" y="0"/>
+          <a:chExt cx="0" cy="0"/>
+        </a:xfrm>
+      </p:grpSpPr>
+      <p:sp>
+        <p:nvSpPr>
+          <p:cNvPr id="21" name="TextBox 20">
+            <a:extLst>
+              <a:ext uri="{FF2B5EF4-FFF2-40B4-BE49-F238E27FC236}">
+                <a16:creationId xmlns:a16="http://schemas.microsoft.com/office/drawing/2014/main" id="{EDF601CE-96B7-4D58-86AC-3A4A6C632FEC}"/>
+              </a:ext>
+            </a:extLst>
+          </p:cNvPr>
+          <p:cNvSpPr txBox="1"/>
+          <p:nvPr/>
+        </p:nvSpPr>
+        <p:spPr>
+          <a:xfrm>
+            <a:off x="2006810" y="2"/>
+            <a:ext cx="1548980" cy="1200329"/>
+          </a:xfrm>
+          <a:prstGeom prst="rect">
+            <a:avLst/>
+          </a:prstGeom>
+          <a:noFill/>
+        </p:spPr>
+        <p:txBody>
+          <a:bodyPr wrap="square" rtlCol="0">
+            <a:spAutoFit/>
+          </a:bodyPr>
+          <a:lstStyle/>
+          <a:p>
+            <a:pPr algn="ctr"/>
+            <a:r>
+              <a:rPr lang="en-US" sz="7200" dirty="0">
+                <a:latin typeface="Bahnschrift" panose="020B0502040204020203" pitchFamily="34" charset="0"/>
+              </a:rPr>
+              <a:t>09</a:t>
+            </a:r>
+          </a:p>
+        </p:txBody>
+      </p:sp>
+    </p:spTree>
+    <p:extLst>
+      <p:ext uri="{BB962C8B-B14F-4D97-AF65-F5344CB8AC3E}">
+        <p14:creationId xmlns:p14="http://schemas.microsoft.com/office/powerpoint/2010/main" val="2877553369"/>
       </p:ext>
     </p:extLst>
   </p:cSld>
